--- a/tests/data/pptx_20_empty_slides.pptx
+++ b/tests/data/pptx_20_empty_slides.pptx
@@ -219,7 +219,7 @@
           <a:p>
             <a:fld id="{21F925AA-DF56-4E9B-BD17-5F928015F194}" type="datetimeFigureOut">
               <a:rPr lang="en-US" smtClean="0"/>
-              <a:t>12/11/2025</a:t>
+              <a:t>12/12/2025</a:t>
             </a:fld>
             <a:endParaRPr lang="en-US"/>
           </a:p>
@@ -487,7 +487,7 @@
 </file>
 
 <file path=ppt/slideLayouts/slideLayout1.xml><?xml version="1.0" encoding="utf-8"?>
-<p:sldLayout xmlns:a="http://schemas.openxmlformats.org/drawingml/2006/main" xmlns:r="http://schemas.openxmlformats.org/officeDocument/2006/relationships" xmlns:p="http://schemas.openxmlformats.org/presentationml/2006/main" preserve="1" userDrawn="1">
+<p:sldLayout xmlns:a="http://schemas.openxmlformats.org/drawingml/2006/main" xmlns:ns2="http://schemas.microsoft.com/office/drawing/2014/main" xmlns:ns3="http://schemas.microsoft.com/office/powerpoint/2010/main" xmlns:p="http://schemas.openxmlformats.org/presentationml/2006/main" preserve="1" userDrawn="1">
   <p:cSld name="manuscript2slides">
     <p:spTree>
       <p:nvGrpSpPr>
@@ -508,7 +508,7 @@
           <p:cNvPr id="3" name="Date Placeholder 2">
             <a:extLst>
               <a:ext uri="{FF2B5EF4-FFF2-40B4-BE49-F238E27FC236}">
-                <a16:creationId xmlns:a16="http://schemas.microsoft.com/office/drawing/2014/main" id="{8000513D-E995-1B16-AB26-1B43B826593E}"/>
+                <ns2:creationId id="{8000513D-E995-1B16-AB26-1B43B826593E}"/>
               </a:ext>
             </a:extLst>
           </p:cNvPr>
@@ -526,7 +526,7 @@
           <a:p>
             <a:fld id="{4AF78ED4-71B5-4E4D-9C52-9D18387CE0A0}" type="datetimeFigureOut">
               <a:rPr lang="en-US" smtClean="0"/>
-              <a:t>12/11/2025</a:t>
+              <a:t>12/12/2025</a:t>
             </a:fld>
             <a:endParaRPr lang="en-US"/>
           </a:p>
@@ -537,7 +537,7 @@
           <p:cNvPr id="4" name="Footer Placeholder 3">
             <a:extLst>
               <a:ext uri="{FF2B5EF4-FFF2-40B4-BE49-F238E27FC236}">
-                <a16:creationId xmlns:a16="http://schemas.microsoft.com/office/drawing/2014/main" id="{CD19D53E-B87C-FF06-8D45-A5FA5C879B99}"/>
+                <ns2:creationId id="{CD19D53E-B87C-FF06-8D45-A5FA5C879B99}"/>
               </a:ext>
             </a:extLst>
           </p:cNvPr>
@@ -562,7 +562,7 @@
           <p:cNvPr id="5" name="Slide Number Placeholder 4">
             <a:extLst>
               <a:ext uri="{FF2B5EF4-FFF2-40B4-BE49-F238E27FC236}">
-                <a16:creationId xmlns:a16="http://schemas.microsoft.com/office/drawing/2014/main" id="{629E4ABB-0E14-9DCA-53D9-B57B49DA3085}"/>
+                <ns2:creationId id="{629E4ABB-0E14-9DCA-53D9-B57B49DA3085}"/>
               </a:ext>
             </a:extLst>
           </p:cNvPr>
@@ -591,7 +591,7 @@
           <p:cNvPr id="6" name="Content Placeholder 2">
             <a:extLst>
               <a:ext uri="{FF2B5EF4-FFF2-40B4-BE49-F238E27FC236}">
-                <a16:creationId xmlns:a16="http://schemas.microsoft.com/office/drawing/2014/main" id="{25E7AE76-1742-3895-C2A2-0B99FED22B46}"/>
+                <ns2:creationId id="{25E7AE76-1742-3895-C2A2-0B99FED22B46}"/>
               </a:ext>
             </a:extLst>
           </p:cNvPr>
@@ -620,8 +620,8 @@
               <a:buNone/>
               <a:defRPr sz="1800">
                 <a:latin typeface="+mj-lt"/>
-                <a:ea typeface="Bookerly" panose="02020602040305020204" pitchFamily="18" charset="0"/>
-                <a:cs typeface="Bookerly" panose="02020602040305020204" pitchFamily="18" charset="0"/>
+                <a:ea typeface="Times New Roman" panose="02020602040305020204" pitchFamily="18" charset="0"/>
+                <a:cs typeface="Times New Roman" panose="02020602040305020204" pitchFamily="18" charset="0"/>
               </a:defRPr>
             </a:lvl1pPr>
           </a:lstStyle>
@@ -637,7 +637,7 @@
     </p:spTree>
     <p:extLst>
       <p:ext uri="{BB962C8B-B14F-4D97-AF65-F5344CB8AC3E}">
-        <p14:creationId xmlns:p14="http://schemas.microsoft.com/office/powerpoint/2010/main" val="4085609035"/>
+        <ns3:creationId val="4085609035"/>
       </p:ext>
     </p:extLst>
   </p:cSld>
@@ -815,7 +815,7 @@
           <a:p>
             <a:fld id="{4AF78ED4-71B5-4E4D-9C52-9D18387CE0A0}" type="datetimeFigureOut">
               <a:rPr lang="en-US" smtClean="0"/>
-              <a:t>12/11/2025</a:t>
+              <a:t>12/12/2025</a:t>
             </a:fld>
             <a:endParaRPr lang="en-US"/>
           </a:p>
@@ -1243,7 +1243,7 @@
           <a:bodyPr/>
           <a:lstStyle/>
           <a:p>
-            <a:endParaRPr lang="en-US"/>
+            <a:endParaRPr lang="en-US" dirty="0"/>
           </a:p>
         </p:txBody>
       </p:sp>
